--- a/presentation/team1.pptx
+++ b/presentation/team1.pptx
@@ -5,17 +5,18 @@
     <p:sldMasterId r:id="rId1"/>
   </p:sldMasterIdLst>
   <p:notesMasterIdLst>
-    <p:notesMasterId r:id="rId10"/>
+    <p:notesMasterId r:id="rId11"/>
   </p:notesMasterIdLst>
   <p:sldIdLst>
-    <p:sldId id="256" r:id="rId2"/>
-    <p:sldId id="265" r:id="rId3"/>
-    <p:sldId id="266" r:id="rId4"/>
-    <p:sldId id="267" r:id="rId5"/>
-    <p:sldId id="268" r:id="rId6"/>
-    <p:sldId id="269" r:id="rId7"/>
-    <p:sldId id="270" r:id="rId8"/>
-    <p:sldId id="271" r:id="rId9"/>
+    <p:sldId id="272" r:id="rId2"/>
+    <p:sldId id="256" r:id="rId3"/>
+    <p:sldId id="265" r:id="rId4"/>
+    <p:sldId id="266" r:id="rId5"/>
+    <p:sldId id="267" r:id="rId6"/>
+    <p:sldId id="268" r:id="rId7"/>
+    <p:sldId id="269" r:id="rId8"/>
+    <p:sldId id="270" r:id="rId9"/>
+    <p:sldId id="271" r:id="rId10"/>
   </p:sldIdLst>
   <p:sldSz cx="9144000" cy="6858000" type="screen4x3"/>
   <p:notesSz cx="6858000" cy="9144000"/>
@@ -199,6 +200,7 @@
           <a:p>
             <a:fld id="{D2F48AAB-9967-B648-8746-97880661EF47}" type="datetimeFigureOut">
               <a:rPr lang="de-DE" smtClean="0"/>
+              <a:pPr/>
               <a:t>17.10.2012</a:t>
             </a:fld>
             <a:endParaRPr lang="de-DE"/>
@@ -360,6 +362,7 @@
           <a:p>
             <a:fld id="{3ED7BD62-AEA7-B84E-9F71-22727BD000FB}" type="slidenum">
               <a:rPr lang="de-DE" smtClean="0"/>
+              <a:pPr/>
               <a:t>‹Nr.›</a:t>
             </a:fld>
             <a:endParaRPr lang="de-DE"/>
@@ -1054,7 +1057,8 @@
           <a:p>
             <a:fld id="{3ED7BD62-AEA7-B84E-9F71-22727BD000FB}" type="slidenum">
               <a:rPr lang="de-DE" smtClean="0"/>
-              <a:t>2</a:t>
+              <a:pPr/>
+              <a:t>3</a:t>
             </a:fld>
             <a:endParaRPr lang="de-DE"/>
           </a:p>
@@ -1317,7 +1321,8 @@
           <a:p>
             <a:fld id="{3ED7BD62-AEA7-B84E-9F71-22727BD000FB}" type="slidenum">
               <a:rPr lang="de-DE" smtClean="0"/>
-              <a:t>5</a:t>
+              <a:pPr/>
+              <a:t>6</a:t>
             </a:fld>
             <a:endParaRPr lang="de-DE"/>
           </a:p>
@@ -1377,10 +1382,6 @@
           </a:bodyPr>
           <a:lstStyle/>
           <a:p>
-            <a:r>
-              <a:rPr dirty="0" smtClean="0"/>
-              <a:t>Split the tasks - work - refractor - swear - reistall rubymine - more seearing</a:t>
-            </a:r>
             <a:endParaRPr lang="de-DE" dirty="0"/>
           </a:p>
         </p:txBody>
@@ -1402,7 +1403,8 @@
           <a:p>
             <a:fld id="{3ED7BD62-AEA7-B84E-9F71-22727BD000FB}" type="slidenum">
               <a:rPr lang="de-DE" smtClean="0"/>
-              <a:t>6</a:t>
+              <a:pPr/>
+              <a:t>7</a:t>
             </a:fld>
             <a:endParaRPr lang="de-DE"/>
           </a:p>
@@ -1487,7 +1489,8 @@
           <a:p>
             <a:fld id="{3ED7BD62-AEA7-B84E-9F71-22727BD000FB}" type="slidenum">
               <a:rPr lang="de-DE" smtClean="0"/>
-              <a:t>7</a:t>
+              <a:pPr/>
+              <a:t>8</a:t>
             </a:fld>
             <a:endParaRPr lang="de-DE"/>
           </a:p>
@@ -1572,7 +1575,8 @@
           <a:p>
             <a:fld id="{3ED7BD62-AEA7-B84E-9F71-22727BD000FB}" type="slidenum">
               <a:rPr lang="de-DE" smtClean="0"/>
-              <a:t>8</a:t>
+              <a:pPr/>
+              <a:t>9</a:t>
             </a:fld>
             <a:endParaRPr lang="de-DE"/>
           </a:p>
@@ -1780,6 +1784,7 @@
           <a:p>
             <a:fld id="{49F67C90-7A44-184D-BFCE-C93CF14CACDC}" type="datetimeFigureOut">
               <a:rPr lang="de-DE" smtClean="0"/>
+              <a:pPr/>
               <a:t>17.10.2012</a:t>
             </a:fld>
             <a:endParaRPr lang="de-DE"/>
@@ -1832,6 +1837,7 @@
           <a:p>
             <a:fld id="{A651A8BF-C5C2-FC40-A6B7-B6090ED0B043}" type="slidenum">
               <a:rPr lang="de-DE" smtClean="0"/>
+              <a:pPr/>
               <a:t>‹Nr.›</a:t>
             </a:fld>
             <a:endParaRPr lang="de-DE"/>
@@ -2133,6 +2139,7 @@
           <a:p>
             <a:fld id="{49F67C90-7A44-184D-BFCE-C93CF14CACDC}" type="datetimeFigureOut">
               <a:rPr lang="de-DE" smtClean="0"/>
+              <a:pPr/>
               <a:t>17.10.2012</a:t>
             </a:fld>
             <a:endParaRPr lang="de-DE"/>
@@ -2175,6 +2182,7 @@
           <a:p>
             <a:fld id="{A651A8BF-C5C2-FC40-A6B7-B6090ED0B043}" type="slidenum">
               <a:rPr lang="de-DE" smtClean="0"/>
+              <a:pPr/>
               <a:t>‹Nr.›</a:t>
             </a:fld>
             <a:endParaRPr lang="de-DE"/>
@@ -2308,6 +2316,7 @@
           <a:p>
             <a:fld id="{49F67C90-7A44-184D-BFCE-C93CF14CACDC}" type="datetimeFigureOut">
               <a:rPr lang="de-DE" smtClean="0"/>
+              <a:pPr/>
               <a:t>17.10.2012</a:t>
             </a:fld>
             <a:endParaRPr lang="de-DE"/>
@@ -2350,6 +2359,7 @@
           <a:p>
             <a:fld id="{A651A8BF-C5C2-FC40-A6B7-B6090ED0B043}" type="slidenum">
               <a:rPr lang="de-DE" smtClean="0"/>
+              <a:pPr/>
               <a:t>‹Nr.›</a:t>
             </a:fld>
             <a:endParaRPr lang="de-DE"/>
@@ -2421,6 +2431,7 @@
           <a:p>
             <a:fld id="{49F67C90-7A44-184D-BFCE-C93CF14CACDC}" type="datetimeFigureOut">
               <a:rPr lang="de-DE" smtClean="0"/>
+              <a:pPr/>
               <a:t>17.10.2012</a:t>
             </a:fld>
             <a:endParaRPr lang="de-DE"/>
@@ -2463,6 +2474,7 @@
           <a:p>
             <a:fld id="{A651A8BF-C5C2-FC40-A6B7-B6090ED0B043}" type="slidenum">
               <a:rPr lang="de-DE" smtClean="0"/>
+              <a:pPr/>
               <a:t>‹Nr.›</a:t>
             </a:fld>
             <a:endParaRPr lang="de-DE"/>
@@ -2779,6 +2791,7 @@
           <a:p>
             <a:fld id="{49F67C90-7A44-184D-BFCE-C93CF14CACDC}" type="datetimeFigureOut">
               <a:rPr lang="de-DE" smtClean="0"/>
+              <a:pPr/>
               <a:t>17.10.2012</a:t>
             </a:fld>
             <a:endParaRPr lang="de-DE"/>
@@ -3045,6 +3058,7 @@
           <a:p>
             <a:fld id="{49F67C90-7A44-184D-BFCE-C93CF14CACDC}" type="datetimeFigureOut">
               <a:rPr lang="de-DE" smtClean="0"/>
+              <a:pPr/>
               <a:t>17.10.2012</a:t>
             </a:fld>
             <a:endParaRPr lang="de-DE"/>
@@ -3087,6 +3101,7 @@
           <a:p>
             <a:fld id="{A651A8BF-C5C2-FC40-A6B7-B6090ED0B043}" type="slidenum">
               <a:rPr lang="de-DE" smtClean="0"/>
+              <a:pPr/>
               <a:t>‹Nr.›</a:t>
             </a:fld>
             <a:endParaRPr lang="de-DE"/>
@@ -3407,6 +3422,7 @@
           <a:p>
             <a:fld id="{49F67C90-7A44-184D-BFCE-C93CF14CACDC}" type="datetimeFigureOut">
               <a:rPr lang="de-DE" smtClean="0"/>
+              <a:pPr/>
               <a:t>17.10.2012</a:t>
             </a:fld>
             <a:endParaRPr lang="de-DE"/>
@@ -3449,6 +3465,7 @@
           <a:p>
             <a:fld id="{A651A8BF-C5C2-FC40-A6B7-B6090ED0B043}" type="slidenum">
               <a:rPr lang="de-DE" smtClean="0"/>
+              <a:pPr/>
               <a:t>‹Nr.›</a:t>
             </a:fld>
             <a:endParaRPr lang="de-DE"/>
@@ -3634,6 +3651,7 @@
           <a:p>
             <a:fld id="{49F67C90-7A44-184D-BFCE-C93CF14CACDC}" type="datetimeFigureOut">
               <a:rPr lang="de-DE" smtClean="0"/>
+              <a:pPr/>
               <a:t>17.10.2012</a:t>
             </a:fld>
             <a:endParaRPr lang="de-DE"/>
@@ -3676,6 +3694,7 @@
           <a:p>
             <a:fld id="{A651A8BF-C5C2-FC40-A6B7-B6090ED0B043}" type="slidenum">
               <a:rPr lang="de-DE" smtClean="0"/>
+              <a:pPr/>
               <a:t>‹Nr.›</a:t>
             </a:fld>
             <a:endParaRPr lang="de-DE"/>
@@ -3724,6 +3743,7 @@
           <a:p>
             <a:fld id="{49F67C90-7A44-184D-BFCE-C93CF14CACDC}" type="datetimeFigureOut">
               <a:rPr lang="de-DE" smtClean="0"/>
+              <a:pPr/>
               <a:t>17.10.2012</a:t>
             </a:fld>
             <a:endParaRPr lang="de-DE"/>
@@ -3766,6 +3786,7 @@
           <a:p>
             <a:fld id="{A651A8BF-C5C2-FC40-A6B7-B6090ED0B043}" type="slidenum">
               <a:rPr lang="de-DE" smtClean="0"/>
+              <a:pPr/>
               <a:t>‹Nr.›</a:t>
             </a:fld>
             <a:endParaRPr lang="de-DE"/>
@@ -3991,6 +4012,7 @@
           <a:p>
             <a:fld id="{49F67C90-7A44-184D-BFCE-C93CF14CACDC}" type="datetimeFigureOut">
               <a:rPr lang="de-DE" smtClean="0"/>
+              <a:pPr/>
               <a:t>17.10.2012</a:t>
             </a:fld>
             <a:endParaRPr lang="de-DE"/>
@@ -4033,6 +4055,7 @@
           <a:p>
             <a:fld id="{A651A8BF-C5C2-FC40-A6B7-B6090ED0B043}" type="slidenum">
               <a:rPr lang="de-DE" smtClean="0"/>
+              <a:pPr/>
               <a:t>‹Nr.›</a:t>
             </a:fld>
             <a:endParaRPr lang="de-DE"/>
@@ -4219,6 +4242,7 @@
           <a:p>
             <a:fld id="{49F67C90-7A44-184D-BFCE-C93CF14CACDC}" type="datetimeFigureOut">
               <a:rPr lang="de-DE" smtClean="0"/>
+              <a:pPr/>
               <a:t>17.10.2012</a:t>
             </a:fld>
             <a:endParaRPr lang="de-DE"/>
@@ -4271,6 +4295,7 @@
           <a:p>
             <a:fld id="{A651A8BF-C5C2-FC40-A6B7-B6090ED0B043}" type="slidenum">
               <a:rPr lang="de-DE" smtClean="0"/>
+              <a:pPr/>
               <a:t>‹Nr.›</a:t>
             </a:fld>
             <a:endParaRPr lang="de-DE"/>
@@ -4718,6 +4743,7 @@
           <a:p>
             <a:fld id="{49F67C90-7A44-184D-BFCE-C93CF14CACDC}" type="datetimeFigureOut">
               <a:rPr lang="de-DE" smtClean="0"/>
+              <a:pPr/>
               <a:t>17.10.2012</a:t>
             </a:fld>
             <a:endParaRPr lang="de-DE"/>
@@ -4800,6 +4826,7 @@
           <a:p>
             <a:fld id="{A651A8BF-C5C2-FC40-A6B7-B6090ED0B043}" type="slidenum">
               <a:rPr lang="de-DE" smtClean="0"/>
+              <a:pPr/>
               <a:t>‹Nr.›</a:t>
             </a:fld>
             <a:endParaRPr lang="de-DE"/>
@@ -5108,6 +5135,15 @@
 <file path=ppt/slides/slide1.xml><?xml version="1.0" encoding="utf-8"?>
 <p:sld xmlns:a="http://schemas.openxmlformats.org/drawingml/2006/main" xmlns:r="http://schemas.openxmlformats.org/officeDocument/2006/relationships" xmlns:mc="http://schemas.openxmlformats.org/markup-compatibility/2006" xmlns:mv="urn:schemas-microsoft-com:mac:vml" xmlns:p="http://schemas.openxmlformats.org/presentationml/2006/main" mc:Ignorable="mv" mc:PreserveAttributes="mv:*">
   <p:cSld>
+    <p:bg>
+      <p:bgPr>
+        <a:blipFill rotWithShape="1">
+          <a:blip r:embed="rId2"/>
+          <a:tile tx="0" ty="0" sx="100000" sy="100000" flip="none" algn="tl"/>
+        </a:blipFill>
+        <a:effectLst/>
+      </p:bgPr>
+    </p:bg>
     <p:spTree>
       <p:nvGrpSpPr>
         <p:cNvPr id="1" name=""/>
@@ -5132,7 +5168,135 @@
             <p:ph type="subTitle" idx="1"/>
           </p:nvPr>
         </p:nvSpPr>
-        <p:spPr/>
+        <p:spPr>
+          <a:xfrm>
+            <a:off x="838200" y="3200400"/>
+            <a:ext cx="6858000" cy="1600200"/>
+          </a:xfrm>
+        </p:spPr>
+        <p:txBody>
+          <a:bodyPr>
+            <a:normAutofit/>
+          </a:bodyPr>
+          <a:lstStyle/>
+          <a:p>
+            <a:endParaRPr lang="de-DE" sz="3000" dirty="0" smtClean="0">
+              <a:solidFill>
+                <a:schemeClr val="tx1"/>
+              </a:solidFill>
+            </a:endParaRPr>
+          </a:p>
+          <a:p>
+            <a:endParaRPr lang="de-DE" sz="3000" dirty="0">
+              <a:solidFill>
+                <a:schemeClr val="tx1"/>
+              </a:solidFill>
+            </a:endParaRPr>
+          </a:p>
+        </p:txBody>
+      </p:sp>
+      <p:pic>
+        <p:nvPicPr>
+          <p:cNvPr id="6" name="Bild 5" descr="orange.png"/>
+          <p:cNvPicPr>
+            <a:picLocks noChangeAspect="1"/>
+          </p:cNvPicPr>
+          <p:nvPr/>
+        </p:nvPicPr>
+        <p:blipFill>
+          <a:blip r:embed="rId3"/>
+          <a:stretch>
+            <a:fillRect/>
+          </a:stretch>
+        </p:blipFill>
+        <p:spPr>
+          <a:xfrm>
+            <a:off x="0" y="0"/>
+            <a:ext cx="9265920" cy="6858000"/>
+          </a:xfrm>
+          <a:prstGeom prst="rect">
+            <a:avLst/>
+          </a:prstGeom>
+        </p:spPr>
+      </p:pic>
+      <p:sp>
+        <p:nvSpPr>
+          <p:cNvPr id="8" name="Titel 1"/>
+          <p:cNvSpPr>
+            <a:spLocks noGrp="1"/>
+          </p:cNvSpPr>
+          <p:nvPr>
+            <p:ph type="ctrTitle"/>
+          </p:nvPr>
+        </p:nvSpPr>
+        <p:spPr>
+          <a:xfrm>
+            <a:off x="457200" y="1505930"/>
+            <a:ext cx="8229600" cy="2608870"/>
+          </a:xfrm>
+        </p:spPr>
+        <p:txBody>
+          <a:bodyPr>
+            <a:noAutofit/>
+          </a:bodyPr>
+          <a:lstStyle/>
+          <a:p>
+            <a:r>
+              <a:rPr lang="de-DE" sz="50000" b="1" dirty="0" smtClean="0"/>
+              <a:t>#1</a:t>
+            </a:r>
+            <a:endParaRPr lang="de-DE" sz="50000" b="1" dirty="0"/>
+          </a:p>
+        </p:txBody>
+      </p:sp>
+    </p:spTree>
+  </p:cSld>
+  <p:clrMapOvr>
+    <a:masterClrMapping/>
+  </p:clrMapOvr>
+  <p:timing>
+    <p:tnLst>
+      <p:par>
+        <p:cTn id="1" dur="indefinite" restart="never" nodeType="tmRoot"/>
+      </p:par>
+    </p:tnLst>
+  </p:timing>
+</p:sld>
+</file>
+
+<file path=ppt/slides/slide2.xml><?xml version="1.0" encoding="utf-8"?>
+<p:sld xmlns:a="http://schemas.openxmlformats.org/drawingml/2006/main" xmlns:r="http://schemas.openxmlformats.org/officeDocument/2006/relationships" xmlns:mc="http://schemas.openxmlformats.org/markup-compatibility/2006" xmlns:mv="urn:schemas-microsoft-com:mac:vml" xmlns:p="http://schemas.openxmlformats.org/presentationml/2006/main" mc:Ignorable="mv" mc:PreserveAttributes="mv:*">
+  <p:cSld>
+    <p:spTree>
+      <p:nvGrpSpPr>
+        <p:cNvPr id="1" name=""/>
+        <p:cNvGrpSpPr/>
+        <p:nvPr/>
+      </p:nvGrpSpPr>
+      <p:grpSpPr>
+        <a:xfrm>
+          <a:off x="0" y="0"/>
+          <a:ext cx="0" cy="0"/>
+          <a:chOff x="0" y="0"/>
+          <a:chExt cx="0" cy="0"/>
+        </a:xfrm>
+      </p:grpSpPr>
+      <p:sp>
+        <p:nvSpPr>
+          <p:cNvPr id="3" name="Untertitel 2"/>
+          <p:cNvSpPr>
+            <a:spLocks noGrp="1"/>
+          </p:cNvSpPr>
+          <p:nvPr>
+            <p:ph type="subTitle" idx="1"/>
+          </p:nvPr>
+        </p:nvSpPr>
+        <p:spPr>
+          <a:xfrm>
+            <a:off x="838200" y="3200400"/>
+            <a:ext cx="6858000" cy="1600200"/>
+          </a:xfrm>
+        </p:spPr>
         <p:txBody>
           <a:bodyPr>
             <a:normAutofit/>
@@ -5414,7 +5578,7 @@
 </p:sld>
 </file>
 
-<file path=ppt/slides/slide2.xml><?xml version="1.0" encoding="utf-8"?>
+<file path=ppt/slides/slide3.xml><?xml version="1.0" encoding="utf-8"?>
 <p:sld xmlns:a="http://schemas.openxmlformats.org/drawingml/2006/main" xmlns:r="http://schemas.openxmlformats.org/officeDocument/2006/relationships" xmlns:mc="http://schemas.openxmlformats.org/markup-compatibility/2006" xmlns:mv="urn:schemas-microsoft-com:mac:vml" xmlns:p="http://schemas.openxmlformats.org/presentationml/2006/main" mc:Ignorable="mv" mc:PreserveAttributes="mv:*">
   <p:cSld>
     <p:spTree>
@@ -6139,7 +6303,7 @@
 </p:sld>
 </file>
 
-<file path=ppt/slides/slide3.xml><?xml version="1.0" encoding="utf-8"?>
+<file path=ppt/slides/slide4.xml><?xml version="1.0" encoding="utf-8"?>
 <p:sld xmlns:a="http://schemas.openxmlformats.org/drawingml/2006/main" xmlns:r="http://schemas.openxmlformats.org/officeDocument/2006/relationships" xmlns:mc="http://schemas.openxmlformats.org/markup-compatibility/2006" xmlns:mv="urn:schemas-microsoft-com:mac:vml" xmlns:p="http://schemas.openxmlformats.org/presentationml/2006/main" mc:Ignorable="mv" mc:PreserveAttributes="mv:*">
   <p:cSld>
     <p:spTree>
@@ -6713,7 +6877,7 @@
 </p:sld>
 </file>
 
-<file path=ppt/slides/slide4.xml><?xml version="1.0" encoding="utf-8"?>
+<file path=ppt/slides/slide5.xml><?xml version="1.0" encoding="utf-8"?>
 <p:sld xmlns:a="http://schemas.openxmlformats.org/drawingml/2006/main" xmlns:r="http://schemas.openxmlformats.org/officeDocument/2006/relationships" xmlns:mc="http://schemas.openxmlformats.org/markup-compatibility/2006" xmlns:mv="urn:schemas-microsoft-com:mac:vml" xmlns:p="http://schemas.openxmlformats.org/presentationml/2006/main" mc:Ignorable="mv" mc:PreserveAttributes="mv:*">
   <p:cSld>
     <p:spTree>
@@ -7259,7 +7423,7 @@
 </p:sld>
 </file>
 
-<file path=ppt/slides/slide5.xml><?xml version="1.0" encoding="utf-8"?>
+<file path=ppt/slides/slide6.xml><?xml version="1.0" encoding="utf-8"?>
 <p:sld xmlns:a="http://schemas.openxmlformats.org/drawingml/2006/main" xmlns:r="http://schemas.openxmlformats.org/officeDocument/2006/relationships" xmlns:mc="http://schemas.openxmlformats.org/markup-compatibility/2006" xmlns:mv="urn:schemas-microsoft-com:mac:vml" xmlns:p="http://schemas.openxmlformats.org/presentationml/2006/main" mc:Ignorable="mv" mc:PreserveAttributes="mv:*">
   <p:cSld>
     <p:spTree>
@@ -7746,7 +7910,7 @@
 </p:sld>
 </file>
 
-<file path=ppt/slides/slide6.xml><?xml version="1.0" encoding="utf-8"?>
+<file path=ppt/slides/slide7.xml><?xml version="1.0" encoding="utf-8"?>
 <p:sld xmlns:a="http://schemas.openxmlformats.org/drawingml/2006/main" xmlns:r="http://schemas.openxmlformats.org/officeDocument/2006/relationships" xmlns:mc="http://schemas.openxmlformats.org/markup-compatibility/2006" xmlns:mv="urn:schemas-microsoft-com:mac:vml" xmlns:p="http://schemas.openxmlformats.org/presentationml/2006/main" mc:Ignorable="mv" mc:PreserveAttributes="mv:*">
   <p:cSld>
     <p:spTree>
@@ -7820,7 +7984,7 @@
         <p:spPr>
           <a:xfrm>
             <a:off x="722313" y="3369468"/>
-            <a:ext cx="7772400" cy="2116931"/>
+            <a:ext cx="7772400" cy="2802732"/>
           </a:xfrm>
           <a:prstGeom prst="rect">
             <a:avLst/>
@@ -7859,7 +8023,7 @@
                   </a:schemeClr>
                 </a:solidFill>
               </a:rPr>
-              <a:t> [...] </a:t>
+              <a:t> </a:t>
             </a:r>
             <a:r>
               <a:rPr lang="de-DE" sz="2400" dirty="0" err="1" smtClean="0">
@@ -7869,7 +8033,7 @@
                   </a:schemeClr>
                 </a:solidFill>
               </a:rPr>
-              <a:t>split</a:t>
+              <a:t>assigne</a:t>
             </a:r>
             <a:r>
               <a:rPr lang="de-DE" sz="2400" dirty="0" smtClean="0">
@@ -7889,207 +8053,15 @@
                   </a:schemeClr>
                 </a:solidFill>
               </a:rPr>
-              <a:t>the</a:t>
-            </a:r>
-            <a:r>
-              <a:rPr lang="de-DE" sz="2400" dirty="0" smtClean="0">
-                <a:solidFill>
-                  <a:schemeClr val="tx1">
-                    <a:tint val="75000"/>
-                  </a:schemeClr>
-                </a:solidFill>
-              </a:rPr>
-              <a:t> </a:t>
-            </a:r>
-            <a:r>
-              <a:rPr lang="de-DE" sz="2400" dirty="0" err="1" smtClean="0">
-                <a:solidFill>
-                  <a:schemeClr val="tx1">
-                    <a:tint val="75000"/>
-                  </a:schemeClr>
-                </a:solidFill>
-              </a:rPr>
-              <a:t>task</a:t>
-            </a:r>
-            <a:r>
-              <a:rPr lang="de-DE" sz="2400" dirty="0" smtClean="0">
-                <a:solidFill>
-                  <a:schemeClr val="tx1">
-                    <a:tint val="75000"/>
-                  </a:schemeClr>
-                </a:solidFill>
-              </a:rPr>
-              <a:t> – </a:t>
-            </a:r>
-            <a:r>
-              <a:rPr lang="de-DE" sz="2400" dirty="0" err="1" smtClean="0">
-                <a:solidFill>
-                  <a:schemeClr val="tx1">
-                    <a:tint val="75000"/>
-                  </a:schemeClr>
-                </a:solidFill>
-              </a:rPr>
-              <a:t>work</a:t>
-            </a:r>
-            <a:r>
-              <a:rPr lang="de-DE" sz="2400" dirty="0" smtClean="0">
-                <a:solidFill>
-                  <a:schemeClr val="tx1">
-                    <a:tint val="75000"/>
-                  </a:schemeClr>
-                </a:solidFill>
-              </a:rPr>
-              <a:t> – </a:t>
-            </a:r>
-            <a:r>
-              <a:rPr lang="de-DE" sz="2400" dirty="0" err="1" smtClean="0">
-                <a:solidFill>
-                  <a:schemeClr val="tx1">
-                    <a:tint val="75000"/>
-                  </a:schemeClr>
-                </a:solidFill>
-              </a:rPr>
-              <a:t>refactor</a:t>
-            </a:r>
-            <a:r>
-              <a:rPr lang="de-DE" sz="2400" dirty="0" smtClean="0">
-                <a:solidFill>
-                  <a:schemeClr val="tx1">
-                    <a:tint val="75000"/>
-                  </a:schemeClr>
-                </a:solidFill>
-              </a:rPr>
-              <a:t> – </a:t>
-            </a:r>
-            <a:r>
-              <a:rPr lang="de-DE" sz="2400" dirty="0" err="1" smtClean="0">
-                <a:solidFill>
-                  <a:schemeClr val="tx1">
-                    <a:tint val="75000"/>
-                  </a:schemeClr>
-                </a:solidFill>
-              </a:rPr>
-              <a:t>swear</a:t>
-            </a:r>
-            <a:r>
-              <a:rPr lang="de-DE" sz="2400" dirty="0" smtClean="0">
-                <a:solidFill>
-                  <a:schemeClr val="tx1">
-                    <a:tint val="75000"/>
-                  </a:schemeClr>
-                </a:solidFill>
-              </a:rPr>
-              <a:t> – </a:t>
-            </a:r>
-            <a:r>
-              <a:rPr lang="de-DE" sz="2400" dirty="0" err="1" smtClean="0">
-                <a:solidFill>
-                  <a:schemeClr val="tx1">
-                    <a:tint val="75000"/>
-                  </a:schemeClr>
-                </a:solidFill>
-              </a:rPr>
-              <a:t>reinstall</a:t>
-            </a:r>
-            <a:r>
-              <a:rPr lang="de-DE" sz="2400" dirty="0" smtClean="0">
-                <a:solidFill>
-                  <a:schemeClr val="tx1">
-                    <a:tint val="75000"/>
-                  </a:schemeClr>
-                </a:solidFill>
-              </a:rPr>
-              <a:t> </a:t>
-            </a:r>
-            <a:r>
-              <a:rPr lang="de-DE" sz="2400" dirty="0" err="1" smtClean="0">
-                <a:solidFill>
-                  <a:schemeClr val="tx1">
-                    <a:tint val="75000"/>
-                  </a:schemeClr>
-                </a:solidFill>
-              </a:rPr>
-              <a:t>rubymine</a:t>
-            </a:r>
-            <a:r>
-              <a:rPr lang="de-DE" sz="2400" dirty="0" smtClean="0">
-                <a:solidFill>
-                  <a:schemeClr val="tx1">
-                    <a:tint val="75000"/>
-                  </a:schemeClr>
-                </a:solidFill>
-              </a:rPr>
-              <a:t> – </a:t>
-            </a:r>
-            <a:r>
-              <a:rPr lang="de-DE" sz="2400" dirty="0" err="1" smtClean="0">
-                <a:solidFill>
-                  <a:schemeClr val="tx1">
-                    <a:tint val="75000"/>
-                  </a:schemeClr>
-                </a:solidFill>
-              </a:rPr>
-              <a:t>more</a:t>
-            </a:r>
-            <a:r>
-              <a:rPr lang="de-DE" sz="2400" dirty="0" smtClean="0">
-                <a:solidFill>
-                  <a:schemeClr val="tx1">
-                    <a:tint val="75000"/>
-                  </a:schemeClr>
-                </a:solidFill>
-              </a:rPr>
-              <a:t> </a:t>
-            </a:r>
-            <a:r>
-              <a:rPr lang="de-DE" sz="2400" dirty="0" err="1" smtClean="0">
-                <a:solidFill>
-                  <a:schemeClr val="tx1">
-                    <a:tint val="75000"/>
-                  </a:schemeClr>
-                </a:solidFill>
-              </a:rPr>
-              <a:t>swearing</a:t>
-            </a:r>
-            <a:r>
-              <a:rPr lang="de-DE" sz="2400" dirty="0" smtClean="0">
-                <a:solidFill>
-                  <a:schemeClr val="tx1">
-                    <a:tint val="75000"/>
-                  </a:schemeClr>
-                </a:solidFill>
-              </a:rPr>
-              <a:t> [...]</a:t>
-            </a:r>
-          </a:p>
-          <a:p>
-            <a:pPr marL="0" marR="0" lvl="0" indent="0" algn="l" defTabSz="914400" rtl="0" eaLnBrk="1" fontAlgn="auto" latinLnBrk="0" hangingPunct="1">
-              <a:lnSpc>
-                <a:spcPct val="100000"/>
-              </a:lnSpc>
-              <a:spcBef>
-                <a:spcPts val="580"/>
-              </a:spcBef>
-              <a:spcAft>
-                <a:spcPts val="0"/>
-              </a:spcAft>
-              <a:buClr>
-                <a:schemeClr val="accent1"/>
-              </a:buClr>
-              <a:buSzPct val="85000"/>
-              <a:tabLst/>
-              <a:defRPr/>
-            </a:pPr>
-            <a:r>
-              <a:rPr lang="de-DE" sz="2400" dirty="0" smtClean="0">
-                <a:solidFill>
-                  <a:schemeClr val="tx1">
-                    <a:tint val="75000"/>
-                  </a:schemeClr>
-                </a:solidFill>
-              </a:rPr>
-              <a:t> </a:t>
-            </a:r>
+              <a:t>issue</a:t>
+            </a:r>
+            <a:endParaRPr lang="de-DE" sz="2400" dirty="0" smtClean="0">
+              <a:solidFill>
+                <a:schemeClr val="tx1">
+                  <a:tint val="75000"/>
+                </a:schemeClr>
+              </a:solidFill>
+            </a:endParaRPr>
           </a:p>
           <a:p>
             <a:pPr marL="0" marR="0" lvl="0" indent="0" algn="l" defTabSz="914400" rtl="0" eaLnBrk="1" fontAlgn="auto" latinLnBrk="0" hangingPunct="1">
@@ -8129,7 +8101,17 @@
                   </a:schemeClr>
                 </a:solidFill>
               </a:rPr>
-              <a:t>it</a:t>
+              <a:t>e</a:t>
+            </a:r>
+            <a:r>
+              <a:rPr lang="de-DE" sz="2400" dirty="0" err="1" smtClean="0">
+                <a:solidFill>
+                  <a:schemeClr val="tx1">
+                    <a:tint val="75000"/>
+                  </a:schemeClr>
+                </a:solidFill>
+              </a:rPr>
+              <a:t>nter</a:t>
             </a:r>
             <a:r>
               <a:rPr lang="de-DE" sz="2400" dirty="0" smtClean="0">
@@ -8139,7 +8121,7 @@
                   </a:schemeClr>
                 </a:solidFill>
               </a:rPr>
-              <a:t> just </a:t>
+              <a:t> </a:t>
             </a:r>
             <a:r>
               <a:rPr lang="de-DE" sz="2400" dirty="0" err="1" smtClean="0">
@@ -8149,7 +8131,7 @@
                   </a:schemeClr>
                 </a:solidFill>
               </a:rPr>
-              <a:t>flows</a:t>
+              <a:t>TeamSpeak</a:t>
             </a:r>
             <a:r>
               <a:rPr lang="de-DE" sz="2400" dirty="0" smtClean="0">
@@ -8159,23 +8141,228 @@
                   </a:schemeClr>
                 </a:solidFill>
               </a:rPr>
-              <a:t> ;) </a:t>
-            </a:r>
-            <a:endParaRPr kumimoji="0" lang="de-DE" sz="2400" b="0" i="0" u="none" strike="noStrike" kern="1200" cap="none" spc="0" normalizeH="0" baseline="0" noProof="0" dirty="0" smtClean="0">
-              <a:ln>
-                <a:noFill/>
-              </a:ln>
+              <a:t> </a:t>
+            </a:r>
+            <a:r>
+              <a:rPr lang="de-DE" sz="2400" dirty="0" smtClean="0">
+                <a:solidFill>
+                  <a:schemeClr val="tx1">
+                    <a:tint val="75000"/>
+                  </a:schemeClr>
+                </a:solidFill>
+                <a:sym typeface="Wingdings"/>
+              </a:rPr>
+              <a:t></a:t>
+            </a:r>
+            <a:endParaRPr lang="de-DE" sz="2400" dirty="0" smtClean="0">
               <a:solidFill>
                 <a:schemeClr val="tx1">
                   <a:tint val="75000"/>
                 </a:schemeClr>
               </a:solidFill>
-              <a:effectLst/>
-              <a:uLnTx/>
-              <a:uFillTx/>
-              <a:latin typeface="+mn-lt"/>
-              <a:ea typeface="+mn-ea"/>
-              <a:cs typeface="+mn-cs"/>
+            </a:endParaRPr>
+          </a:p>
+          <a:p>
+            <a:pPr marL="0" marR="0" lvl="0" indent="0" algn="l" defTabSz="914400" rtl="0" eaLnBrk="1" fontAlgn="auto" latinLnBrk="0" hangingPunct="1">
+              <a:lnSpc>
+                <a:spcPct val="100000"/>
+              </a:lnSpc>
+              <a:spcBef>
+                <a:spcPts val="580"/>
+              </a:spcBef>
+              <a:spcAft>
+                <a:spcPts val="0"/>
+              </a:spcAft>
+              <a:buClr>
+                <a:schemeClr val="accent1"/>
+              </a:buClr>
+              <a:buSzPct val="85000"/>
+              <a:buFont typeface="Wingdings" charset="2"/>
+              <a:buChar char="v"/>
+              <a:tabLst/>
+              <a:defRPr/>
+            </a:pPr>
+            <a:r>
+              <a:rPr lang="de-DE" sz="2400" dirty="0" smtClean="0">
+                <a:solidFill>
+                  <a:schemeClr val="tx1">
+                    <a:tint val="75000"/>
+                  </a:schemeClr>
+                </a:solidFill>
+              </a:rPr>
+              <a:t> do </a:t>
+            </a:r>
+            <a:r>
+              <a:rPr lang="de-DE" sz="2400" dirty="0" err="1" smtClean="0">
+                <a:solidFill>
+                  <a:schemeClr val="tx1">
+                    <a:tint val="75000"/>
+                  </a:schemeClr>
+                </a:solidFill>
+              </a:rPr>
+              <a:t>it</a:t>
+            </a:r>
+            <a:endParaRPr lang="de-DE" sz="2400" dirty="0" smtClean="0">
+              <a:solidFill>
+                <a:schemeClr val="tx1">
+                  <a:tint val="75000"/>
+                </a:schemeClr>
+              </a:solidFill>
+            </a:endParaRPr>
+          </a:p>
+          <a:p>
+            <a:pPr marL="0" marR="0" lvl="0" indent="0" algn="l" defTabSz="914400" rtl="0" eaLnBrk="1" fontAlgn="auto" latinLnBrk="0" hangingPunct="1">
+              <a:lnSpc>
+                <a:spcPct val="100000"/>
+              </a:lnSpc>
+              <a:spcBef>
+                <a:spcPts val="580"/>
+              </a:spcBef>
+              <a:spcAft>
+                <a:spcPts val="0"/>
+              </a:spcAft>
+              <a:buClr>
+                <a:schemeClr val="accent1"/>
+              </a:buClr>
+              <a:buSzPct val="85000"/>
+              <a:buFont typeface="Wingdings" charset="2"/>
+              <a:buChar char="v"/>
+              <a:tabLst/>
+              <a:defRPr/>
+            </a:pPr>
+            <a:r>
+              <a:rPr lang="de-DE" sz="2400" dirty="0" smtClean="0">
+                <a:solidFill>
+                  <a:schemeClr val="tx1">
+                    <a:tint val="75000"/>
+                  </a:schemeClr>
+                </a:solidFill>
+              </a:rPr>
+              <a:t> fix </a:t>
+            </a:r>
+            <a:r>
+              <a:rPr lang="de-DE" sz="2400" dirty="0" err="1" smtClean="0">
+                <a:solidFill>
+                  <a:schemeClr val="tx1">
+                    <a:tint val="75000"/>
+                  </a:schemeClr>
+                </a:solidFill>
+              </a:rPr>
+              <a:t>it</a:t>
+            </a:r>
+            <a:endParaRPr lang="de-DE" sz="2400" dirty="0" smtClean="0">
+              <a:solidFill>
+                <a:schemeClr val="tx1">
+                  <a:tint val="75000"/>
+                </a:schemeClr>
+              </a:solidFill>
+            </a:endParaRPr>
+          </a:p>
+          <a:p>
+            <a:pPr marL="0" marR="0" lvl="0" indent="0" algn="l" defTabSz="914400" rtl="0" eaLnBrk="1" fontAlgn="auto" latinLnBrk="0" hangingPunct="1">
+              <a:lnSpc>
+                <a:spcPct val="100000"/>
+              </a:lnSpc>
+              <a:spcBef>
+                <a:spcPts val="580"/>
+              </a:spcBef>
+              <a:spcAft>
+                <a:spcPts val="0"/>
+              </a:spcAft>
+              <a:buClr>
+                <a:schemeClr val="accent1"/>
+              </a:buClr>
+              <a:buSzPct val="85000"/>
+              <a:buFont typeface="Wingdings" charset="2"/>
+              <a:buChar char="v"/>
+              <a:tabLst/>
+              <a:defRPr/>
+            </a:pPr>
+            <a:r>
+              <a:rPr lang="de-DE" sz="2400" dirty="0" smtClean="0">
+                <a:solidFill>
+                  <a:schemeClr val="tx1">
+                    <a:tint val="75000"/>
+                  </a:schemeClr>
+                </a:solidFill>
+              </a:rPr>
+              <a:t> (Tests!)</a:t>
+            </a:r>
+          </a:p>
+          <a:p>
+            <a:pPr marL="0" marR="0" lvl="0" indent="0" algn="l" defTabSz="914400" rtl="0" eaLnBrk="1" fontAlgn="auto" latinLnBrk="0" hangingPunct="1">
+              <a:lnSpc>
+                <a:spcPct val="100000"/>
+              </a:lnSpc>
+              <a:spcBef>
+                <a:spcPts val="580"/>
+              </a:spcBef>
+              <a:spcAft>
+                <a:spcPts val="0"/>
+              </a:spcAft>
+              <a:buClr>
+                <a:schemeClr val="accent1"/>
+              </a:buClr>
+              <a:buSzPct val="85000"/>
+              <a:buFont typeface="Wingdings" charset="2"/>
+              <a:buChar char="v"/>
+              <a:tabLst/>
+              <a:defRPr/>
+            </a:pPr>
+            <a:r>
+              <a:rPr lang="de-DE" sz="2400" dirty="0" smtClean="0">
+                <a:solidFill>
+                  <a:schemeClr val="tx1">
+                    <a:tint val="75000"/>
+                  </a:schemeClr>
+                </a:solidFill>
+              </a:rPr>
+              <a:t> push &amp; </a:t>
+            </a:r>
+            <a:r>
+              <a:rPr lang="de-DE" sz="2400" dirty="0" err="1" smtClean="0">
+                <a:solidFill>
+                  <a:schemeClr val="tx1">
+                    <a:tint val="75000"/>
+                  </a:schemeClr>
+                </a:solidFill>
+              </a:rPr>
+              <a:t>commit</a:t>
+            </a:r>
+            <a:endParaRPr lang="de-DE" sz="2400" dirty="0" smtClean="0">
+              <a:solidFill>
+                <a:schemeClr val="tx1">
+                  <a:tint val="75000"/>
+                </a:schemeClr>
+              </a:solidFill>
+            </a:endParaRPr>
+          </a:p>
+          <a:p>
+            <a:pPr marL="0" marR="0" lvl="0" indent="0" algn="l" defTabSz="914400" rtl="0" eaLnBrk="1" fontAlgn="auto" latinLnBrk="0" hangingPunct="1">
+              <a:lnSpc>
+                <a:spcPct val="100000"/>
+              </a:lnSpc>
+              <a:spcBef>
+                <a:spcPts val="580"/>
+              </a:spcBef>
+              <a:spcAft>
+                <a:spcPts val="0"/>
+              </a:spcAft>
+              <a:buClr>
+                <a:schemeClr val="accent1"/>
+              </a:buClr>
+              <a:buSzPct val="85000"/>
+              <a:buFont typeface="Wingdings" charset="2"/>
+              <a:buChar char="v"/>
+              <a:tabLst/>
+              <a:defRPr/>
+            </a:pPr>
+            <a:endParaRPr lang="de-DE" sz="2400" dirty="0" smtClean="0">
+              <a:solidFill>
+                <a:schemeClr val="tx1">
+                  <a:tint val="75000"/>
+                </a:schemeClr>
+              </a:solidFill>
             </a:endParaRPr>
           </a:p>
           <a:p>
@@ -8232,7 +8419,7 @@
 </p:sld>
 </file>
 
-<file path=ppt/slides/slide7.xml><?xml version="1.0" encoding="utf-8"?>
+<file path=ppt/slides/slide8.xml><?xml version="1.0" encoding="utf-8"?>
 <p:sld xmlns:a="http://schemas.openxmlformats.org/drawingml/2006/main" xmlns:r="http://schemas.openxmlformats.org/officeDocument/2006/relationships" xmlns:mc="http://schemas.openxmlformats.org/markup-compatibility/2006" xmlns:mv="urn:schemas-microsoft-com:mac:vml" xmlns:p="http://schemas.openxmlformats.org/presentationml/2006/main" mc:Ignorable="mv" mc:PreserveAttributes="mv:*">
   <p:cSld>
     <p:spTree>
@@ -8976,7 +9163,7 @@
 </p:sld>
 </file>
 
-<file path=ppt/slides/slide8.xml><?xml version="1.0" encoding="utf-8"?>
+<file path=ppt/slides/slide9.xml><?xml version="1.0" encoding="utf-8"?>
 <p:sld xmlns:a="http://schemas.openxmlformats.org/drawingml/2006/main" xmlns:r="http://schemas.openxmlformats.org/officeDocument/2006/relationships" xmlns:mc="http://schemas.openxmlformats.org/markup-compatibility/2006" xmlns:mv="urn:schemas-microsoft-com:mac:vml" xmlns:p="http://schemas.openxmlformats.org/presentationml/2006/main" mc:Ignorable="mv" mc:PreserveAttributes="mv:*">
   <p:cSld>
     <p:spTree>
@@ -9035,11 +9222,7 @@
           <a:p>
             <a:r>
               <a:rPr lang="de-DE" dirty="0" err="1" smtClean="0"/>
-              <a:t>w</a:t>
-            </a:r>
-            <a:r>
-              <a:rPr lang="de-DE" dirty="0" err="1" smtClean="0"/>
-              <a:t>hat</a:t>
+              <a:t>what</a:t>
             </a:r>
             <a:r>
               <a:rPr lang="de-DE" dirty="0" smtClean="0"/>
@@ -9049,11 +9232,7 @@
           <a:p>
             <a:r>
               <a:rPr lang="de-DE" dirty="0" err="1" smtClean="0"/>
-              <a:t>w</a:t>
-            </a:r>
-            <a:r>
-              <a:rPr lang="de-DE" dirty="0" err="1" smtClean="0"/>
-              <a:t>hat</a:t>
+              <a:t>what</a:t>
             </a:r>
             <a:r>
               <a:rPr lang="de-DE" dirty="0" smtClean="0"/>
@@ -9068,11 +9247,7 @@
           <a:p>
             <a:r>
               <a:rPr lang="de-DE" dirty="0" err="1" smtClean="0"/>
-              <a:t>w</a:t>
-            </a:r>
-            <a:r>
-              <a:rPr lang="de-DE" dirty="0" err="1" smtClean="0"/>
-              <a:t>hat</a:t>
+              <a:t>what</a:t>
             </a:r>
             <a:r>
               <a:rPr lang="de-DE" dirty="0" smtClean="0"/>
